--- a/doc/אוטובוס סקיצה.pptx
+++ b/doc/אוטובוס סקיצה.pptx
@@ -4146,6 +4146,25 @@
             <a:prstGeom prst="rect">
               <a:avLst/>
             </a:prstGeom>
+            <a:gradFill>
+              <a:gsLst>
+                <a:gs pos="0">
+                  <a:srgbClr val="2C5D98"/>
+                </a:gs>
+                <a:gs pos="80000">
+                  <a:schemeClr val="accent1">
+                    <a:shade val="93000"/>
+                    <a:satMod val="130000"/>
+                  </a:schemeClr>
+                </a:gs>
+                <a:gs pos="100000">
+                  <a:schemeClr val="accent1">
+                    <a:shade val="94000"/>
+                    <a:satMod val="135000"/>
+                  </a:schemeClr>
+                </a:gs>
+              </a:gsLst>
+            </a:gradFill>
           </p:spPr>
           <p:style>
             <a:lnRef idx="0">
@@ -4670,6 +4689,14 @@
             <a:prstGeom prst="rect">
               <a:avLst/>
             </a:prstGeom>
+            <a:scene3d>
+              <a:camera prst="orthographicFront">
+                <a:rot lat="0" lon="0" rev="0"/>
+              </a:camera>
+              <a:lightRig rig="threePt" dir="t">
+                <a:rot lat="0" lon="0" rev="1200000"/>
+              </a:lightRig>
+            </a:scene3d>
           </p:spPr>
           <p:style>
             <a:lnRef idx="0">
@@ -4964,6 +4991,14 @@
                 <a:schemeClr val="bg1"/>
               </a:solidFill>
             </a:ln>
+            <a:scene3d>
+              <a:camera prst="orthographicFront">
+                <a:rot lat="0" lon="0" rev="0"/>
+              </a:camera>
+              <a:lightRig rig="threePt" dir="t">
+                <a:rot lat="0" lon="0" rev="1200000"/>
+              </a:lightRig>
+            </a:scene3d>
           </p:spPr>
           <p:style>
             <a:lnRef idx="0">
@@ -5028,6 +5063,14 @@
                 <a:schemeClr val="bg1"/>
               </a:solidFill>
             </a:ln>
+            <a:scene3d>
+              <a:camera prst="orthographicFront">
+                <a:rot lat="0" lon="0" rev="0"/>
+              </a:camera>
+              <a:lightRig rig="threePt" dir="t">
+                <a:rot lat="0" lon="0" rev="1200000"/>
+              </a:lightRig>
+            </a:scene3d>
           </p:spPr>
           <p:style>
             <a:lnRef idx="0">
@@ -5104,6 +5147,14 @@
                 <a:schemeClr val="bg1"/>
               </a:solidFill>
             </a:ln>
+            <a:scene3d>
+              <a:camera prst="orthographicFront">
+                <a:rot lat="0" lon="0" rev="0"/>
+              </a:camera>
+              <a:lightRig rig="threePt" dir="t">
+                <a:rot lat="0" lon="0" rev="1200000"/>
+              </a:lightRig>
+            </a:scene3d>
           </p:spPr>
           <p:style>
             <a:lnRef idx="0">
@@ -5180,6 +5231,14 @@
                 <a:schemeClr val="bg1"/>
               </a:solidFill>
             </a:ln>
+            <a:scene3d>
+              <a:camera prst="orthographicFront">
+                <a:rot lat="0" lon="0" rev="0"/>
+              </a:camera>
+              <a:lightRig rig="threePt" dir="t">
+                <a:rot lat="0" lon="0" rev="1200000"/>
+              </a:lightRig>
+            </a:scene3d>
           </p:spPr>
           <p:style>
             <a:lnRef idx="0">
@@ -5245,6 +5304,14 @@
                 <a:schemeClr val="bg1"/>
               </a:solidFill>
             </a:ln>
+            <a:scene3d>
+              <a:camera prst="orthographicFront">
+                <a:rot lat="0" lon="0" rev="0"/>
+              </a:camera>
+              <a:lightRig rig="threePt" dir="t">
+                <a:rot lat="0" lon="0" rev="1200000"/>
+              </a:lightRig>
+            </a:scene3d>
           </p:spPr>
           <p:style>
             <a:lnRef idx="0">
@@ -5368,6 +5435,70 @@
               <a:t>הפעל התראה</a:t>
             </a:r>
             <a:endParaRPr lang="he-IL" u="sng" dirty="0"/>
+          </a:p>
+        </p:txBody>
+      </p:sp>
+      <p:sp>
+        <p:nvSpPr>
+          <p:cNvPr id="29" name="מלבן מעוגל 28"/>
+          <p:cNvSpPr/>
+          <p:nvPr/>
+        </p:nvSpPr>
+        <p:spPr>
+          <a:xfrm>
+            <a:off x="4767078" y="4653136"/>
+            <a:ext cx="1273775" cy="288032"/>
+          </a:xfrm>
+          <a:prstGeom prst="roundRect">
+            <a:avLst/>
+          </a:prstGeom>
+          <a:solidFill>
+            <a:srgbClr val="DDDDDD"/>
+          </a:solidFill>
+          <a:ln>
+            <a:solidFill>
+              <a:schemeClr val="bg1"/>
+            </a:solidFill>
+          </a:ln>
+        </p:spPr>
+        <p:style>
+          <a:lnRef idx="0">
+            <a:schemeClr val="accent2"/>
+          </a:lnRef>
+          <a:fillRef idx="3">
+            <a:schemeClr val="accent2"/>
+          </a:fillRef>
+          <a:effectRef idx="3">
+            <a:schemeClr val="accent2"/>
+          </a:effectRef>
+          <a:fontRef idx="minor">
+            <a:schemeClr val="lt1"/>
+          </a:fontRef>
+        </p:style>
+        <p:txBody>
+          <a:bodyPr rtlCol="1" anchor="ctr"/>
+          <a:lstStyle/>
+          <a:p>
+            <a:pPr algn="ctr"/>
+            <a:r>
+              <a:rPr lang="he-IL" sz="1200" b="1" dirty="0" smtClean="0">
+                <a:solidFill>
+                  <a:srgbClr val="C00000"/>
+                </a:solidFill>
+                <a:latin typeface="Tahoma" panose="020B0604030504040204" pitchFamily="34" charset="0"/>
+                <a:ea typeface="Tahoma" panose="020B0604030504040204" pitchFamily="34" charset="0"/>
+                <a:cs typeface="Tahoma" panose="020B0604030504040204" pitchFamily="34" charset="0"/>
+              </a:rPr>
+              <a:t>הפעל התראה</a:t>
+            </a:r>
+            <a:endParaRPr lang="he-IL" sz="1200" b="1" dirty="0">
+              <a:solidFill>
+                <a:srgbClr val="C00000"/>
+              </a:solidFill>
+              <a:latin typeface="Tahoma" panose="020B0604030504040204" pitchFamily="34" charset="0"/>
+              <a:ea typeface="Tahoma" panose="020B0604030504040204" pitchFamily="34" charset="0"/>
+              <a:cs typeface="Tahoma" panose="020B0604030504040204" pitchFamily="34" charset="0"/>
+            </a:endParaRPr>
           </a:p>
         </p:txBody>
       </p:sp>
